--- a/Bayes_Classifier or KNN.pptx
+++ b/Bayes_Classifier or KNN.pptx
@@ -6788,7 +6788,7 @@
         </p:blipFill>
         <p:spPr>
           <a:xfrm>
-            <a:off x="0" y="-114290"/>
+            <a:off x="0" y="-104458"/>
             <a:ext cx="12191980" cy="6857990"/>
           </a:xfrm>
           <a:prstGeom prst="rect">
@@ -6963,7 +6963,7 @@
                 <a:latin typeface="Times New Roman" panose="02020603050405020304" pitchFamily="18" charset="0"/>
                 <a:cs typeface="Times New Roman" panose="02020603050405020304" pitchFamily="18" charset="0"/>
               </a:rPr>
-              <a:t>The accuracy of the model is 96.32%</a:t>
+              <a:t>The accuracy of the model is 96.32%(K=21)</a:t>
             </a:r>
           </a:p>
           <a:p>
@@ -7524,7 +7524,7 @@
         </p:nvSpPr>
         <p:spPr>
           <a:xfrm>
-            <a:off x="105621" y="1029196"/>
+            <a:off x="125941" y="885449"/>
             <a:ext cx="12191980" cy="2015936"/>
           </a:xfrm>
           <a:prstGeom prst="rect">
@@ -7582,10 +7582,10 @@
       </p:sp>
       <p:pic>
         <p:nvPicPr>
-          <p:cNvPr id="6" name="Picture 5">
+          <p:cNvPr id="5" name="Picture 4">
             <a:extLst>
               <a:ext uri="{FF2B5EF4-FFF2-40B4-BE49-F238E27FC236}">
-                <a16:creationId xmlns:a16="http://schemas.microsoft.com/office/drawing/2014/main" id="{8A621267-AC92-CD9A-BB84-9A6A792A6D12}"/>
+                <a16:creationId xmlns:a16="http://schemas.microsoft.com/office/drawing/2014/main" id="{591E7D20-5229-99CD-BA85-B44F22F12C19}"/>
               </a:ext>
             </a:extLst>
           </p:cNvPr>
@@ -7602,8 +7602,8 @@
         </p:blipFill>
         <p:spPr>
           <a:xfrm>
-            <a:off x="2010770" y="1978445"/>
-            <a:ext cx="8381682" cy="4765255"/>
+            <a:off x="1645920" y="1816709"/>
+            <a:ext cx="8666162" cy="4926991"/>
           </a:xfrm>
           <a:prstGeom prst="rect">
             <a:avLst/>
@@ -8247,8 +8247,8 @@
           </a:p>
         </p:txBody>
       </p:sp>
-      <mc:AlternateContent xmlns:mc="http://schemas.openxmlformats.org/markup-compatibility/2006">
-        <mc:Choice xmlns:a14="http://schemas.microsoft.com/office/drawing/2010/main" Requires="a14">
+      <mc:AlternateContent xmlns:mc="http://schemas.openxmlformats.org/markup-compatibility/2006" xmlns:a14="http://schemas.microsoft.com/office/drawing/2010/main">
+        <mc:Choice Requires="a14">
           <p:sp>
             <p:nvSpPr>
               <p:cNvPr id="2" name="TextBox 1">
@@ -8413,7 +8413,6 @@
                 </a:endParaRPr>
               </a:p>
               <a:p>
-                <a:pPr/>
                 <a:endParaRPr lang="en-IN" sz="2500" dirty="0">
                   <a:latin typeface="Times New Roman" panose="02020603050405020304" pitchFamily="18" charset="0"/>
                   <a:cs typeface="Times New Roman" panose="02020603050405020304" pitchFamily="18" charset="0"/>
@@ -8435,7 +8434,7 @@
             </p:txBody>
           </p:sp>
         </mc:Choice>
-        <mc:Fallback>
+        <mc:Fallback xmlns="">
           <p:sp>
             <p:nvSpPr>
               <p:cNvPr id="2" name="TextBox 1">
